--- a/ITI/TF/Volume1/media/Figure_4.3.1-1.pptx
+++ b/ITI/TF/Volume1/media/Figure_4.3.1-1.pptx
@@ -104,6 +104,11 @@
       </a:defRPr>
     </a:lvl9pPr>
   </p:defaultTextStyle>
+  <p:extLst>
+    <p:ext uri="{EFAFB233-063F-42B5-8137-9DF3F51BA10A}">
+      <p15:sldGuideLst xmlns:p15="http://schemas.microsoft.com/office/powerpoint/2012/main"/>
+    </p:ext>
+  </p:extLst>
 </p:presentation>
 </file>
 
@@ -254,7 +259,7 @@
           <a:p>
             <a:fld id="{209FE7D9-BABC-3D4E-99D8-D2A30D41BFFA}" type="datetimeFigureOut">
               <a:rPr lang="en-US" smtClean="0"/>
-              <a:t>8/10/20</a:t>
+              <a:t>8/26/20</a:t>
             </a:fld>
             <a:endParaRPr lang="en-US"/>
           </a:p>
@@ -452,7 +457,7 @@
           <a:p>
             <a:fld id="{209FE7D9-BABC-3D4E-99D8-D2A30D41BFFA}" type="datetimeFigureOut">
               <a:rPr lang="en-US" smtClean="0"/>
-              <a:t>8/10/20</a:t>
+              <a:t>8/26/20</a:t>
             </a:fld>
             <a:endParaRPr lang="en-US"/>
           </a:p>
@@ -660,7 +665,7 @@
           <a:p>
             <a:fld id="{209FE7D9-BABC-3D4E-99D8-D2A30D41BFFA}" type="datetimeFigureOut">
               <a:rPr lang="en-US" smtClean="0"/>
-              <a:t>8/10/20</a:t>
+              <a:t>8/26/20</a:t>
             </a:fld>
             <a:endParaRPr lang="en-US"/>
           </a:p>
@@ -858,7 +863,7 @@
           <a:p>
             <a:fld id="{209FE7D9-BABC-3D4E-99D8-D2A30D41BFFA}" type="datetimeFigureOut">
               <a:rPr lang="en-US" smtClean="0"/>
-              <a:t>8/10/20</a:t>
+              <a:t>8/26/20</a:t>
             </a:fld>
             <a:endParaRPr lang="en-US"/>
           </a:p>
@@ -1133,7 +1138,7 @@
           <a:p>
             <a:fld id="{209FE7D9-BABC-3D4E-99D8-D2A30D41BFFA}" type="datetimeFigureOut">
               <a:rPr lang="en-US" smtClean="0"/>
-              <a:t>8/10/20</a:t>
+              <a:t>8/26/20</a:t>
             </a:fld>
             <a:endParaRPr lang="en-US"/>
           </a:p>
@@ -1398,7 +1403,7 @@
           <a:p>
             <a:fld id="{209FE7D9-BABC-3D4E-99D8-D2A30D41BFFA}" type="datetimeFigureOut">
               <a:rPr lang="en-US" smtClean="0"/>
-              <a:t>8/10/20</a:t>
+              <a:t>8/26/20</a:t>
             </a:fld>
             <a:endParaRPr lang="en-US"/>
           </a:p>
@@ -1810,7 +1815,7 @@
           <a:p>
             <a:fld id="{209FE7D9-BABC-3D4E-99D8-D2A30D41BFFA}" type="datetimeFigureOut">
               <a:rPr lang="en-US" smtClean="0"/>
-              <a:t>8/10/20</a:t>
+              <a:t>8/26/20</a:t>
             </a:fld>
             <a:endParaRPr lang="en-US"/>
           </a:p>
@@ -1951,7 +1956,7 @@
           <a:p>
             <a:fld id="{209FE7D9-BABC-3D4E-99D8-D2A30D41BFFA}" type="datetimeFigureOut">
               <a:rPr lang="en-US" smtClean="0"/>
-              <a:t>8/10/20</a:t>
+              <a:t>8/26/20</a:t>
             </a:fld>
             <a:endParaRPr lang="en-US"/>
           </a:p>
@@ -2064,7 +2069,7 @@
           <a:p>
             <a:fld id="{209FE7D9-BABC-3D4E-99D8-D2A30D41BFFA}" type="datetimeFigureOut">
               <a:rPr lang="en-US" smtClean="0"/>
-              <a:t>8/10/20</a:t>
+              <a:t>8/26/20</a:t>
             </a:fld>
             <a:endParaRPr lang="en-US"/>
           </a:p>
@@ -2375,7 +2380,7 @@
           <a:p>
             <a:fld id="{209FE7D9-BABC-3D4E-99D8-D2A30D41BFFA}" type="datetimeFigureOut">
               <a:rPr lang="en-US" smtClean="0"/>
-              <a:t>8/10/20</a:t>
+              <a:t>8/26/20</a:t>
             </a:fld>
             <a:endParaRPr lang="en-US"/>
           </a:p>
@@ -2663,7 +2668,7 @@
           <a:p>
             <a:fld id="{209FE7D9-BABC-3D4E-99D8-D2A30D41BFFA}" type="datetimeFigureOut">
               <a:rPr lang="en-US" smtClean="0"/>
-              <a:t>8/10/20</a:t>
+              <a:t>8/26/20</a:t>
             </a:fld>
             <a:endParaRPr lang="en-US"/>
           </a:p>
@@ -2904,7 +2909,7 @@
           <a:p>
             <a:fld id="{209FE7D9-BABC-3D4E-99D8-D2A30D41BFFA}" type="datetimeFigureOut">
               <a:rPr lang="en-US" smtClean="0"/>
-              <a:t>8/10/20</a:t>
+              <a:t>8/26/20</a:t>
             </a:fld>
             <a:endParaRPr lang="en-US"/>
           </a:p>
@@ -3912,7 +3917,7 @@
         </p:nvSpPr>
         <p:spPr bwMode="auto">
           <a:xfrm>
-            <a:off x="1633538" y="3024188"/>
+            <a:off x="1633538" y="2984432"/>
             <a:ext cx="1900237" cy="219075"/>
           </a:xfrm>
           <a:prstGeom prst="rect">
@@ -3962,7 +3967,7 @@
               <a:tabLst/>
             </a:pPr>
             <a:r>
-              <a:rPr kumimoji="0" lang="en-US" altLang="en-US" sz="1000" b="0" i="0" u="none" strike="noStrike" cap="none" normalizeH="0" baseline="0">
+              <a:rPr kumimoji="0" lang="en-US" altLang="en-US" sz="1000" b="0" i="0" u="none" strike="noStrike" cap="none" normalizeH="0" baseline="0" dirty="0" err="1">
                 <a:ln>
                   <a:noFill/>
                 </a:ln>
@@ -3970,12 +3975,28 @@
                   <a:schemeClr val="tx1"/>
                 </a:solidFill>
                 <a:effectLst/>
-                <a:latin typeface="Arial" panose="020B0604020202020204" pitchFamily="34" charset="0"/>
+                <a:latin typeface="Times New Roman" panose="02020603050405020304" pitchFamily="18" charset="0"/>
                 <a:ea typeface="Times New Roman" panose="02020603050405020304" pitchFamily="18" charset="0"/>
+                <a:cs typeface="Times New Roman" panose="02020603050405020304" pitchFamily="18" charset="0"/>
               </a:rPr>
-              <a:t>Kerberized Communication [ITI-4]</a:t>
-            </a:r>
-            <a:endParaRPr kumimoji="0" lang="en-US" altLang="en-US" sz="1800" b="0" i="0" u="none" strike="noStrike" cap="none" normalizeH="0" baseline="0">
+              <a:t>Kerberized</a:t>
+            </a:r>
+            <a:r>
+              <a:rPr kumimoji="0" lang="en-US" altLang="en-US" sz="1000" b="0" i="0" u="none" strike="noStrike" cap="none" normalizeH="0" baseline="0" dirty="0">
+                <a:ln>
+                  <a:noFill/>
+                </a:ln>
+                <a:solidFill>
+                  <a:schemeClr val="tx1"/>
+                </a:solidFill>
+                <a:effectLst/>
+                <a:latin typeface="Times New Roman" panose="02020603050405020304" pitchFamily="18" charset="0"/>
+                <a:ea typeface="Times New Roman" panose="02020603050405020304" pitchFamily="18" charset="0"/>
+                <a:cs typeface="Times New Roman" panose="02020603050405020304" pitchFamily="18" charset="0"/>
+              </a:rPr>
+              <a:t> Communication [ITI-4]</a:t>
+            </a:r>
+            <a:endParaRPr kumimoji="0" lang="en-US" altLang="en-US" sz="1800" b="0" i="0" u="none" strike="noStrike" cap="none" normalizeH="0" baseline="0" dirty="0">
               <a:ln>
                 <a:noFill/>
               </a:ln>
@@ -3983,7 +4004,8 @@
                 <a:schemeClr val="tx1"/>
               </a:solidFill>
               <a:effectLst/>
-              <a:latin typeface="Arial" panose="020B0604020202020204" pitchFamily="34" charset="0"/>
+              <a:latin typeface="Times New Roman" panose="02020603050405020304" pitchFamily="18" charset="0"/>
+              <a:cs typeface="Times New Roman" panose="02020603050405020304" pitchFamily="18" charset="0"/>
             </a:endParaRPr>
           </a:p>
         </p:txBody>
@@ -4035,7 +4057,10 @@
           </a:bodyPr>
           <a:lstStyle/>
           <a:p>
-            <a:endParaRPr lang="en-US"/>
+            <a:endParaRPr lang="en-US">
+              <a:latin typeface="Times New Roman" panose="02020603050405020304" pitchFamily="18" charset="0"/>
+              <a:cs typeface="Times New Roman" panose="02020603050405020304" pitchFamily="18" charset="0"/>
+            </a:endParaRPr>
           </a:p>
         </p:txBody>
       </p:sp>
@@ -4102,7 +4127,7 @@
         <p:spPr bwMode="auto">
           <a:xfrm>
             <a:off x="1339850" y="1271588"/>
-            <a:ext cx="1627188" cy="209550"/>
+            <a:ext cx="1784350" cy="207963"/>
           </a:xfrm>
           <a:prstGeom prst="rect">
             <a:avLst/>
@@ -4151,7 +4176,7 @@
               <a:tabLst/>
             </a:pPr>
             <a:r>
-              <a:rPr kumimoji="0" lang="en-US" altLang="en-US" sz="1000" b="0" i="0" u="none" strike="noStrike" cap="none" normalizeH="0" baseline="0">
+              <a:rPr kumimoji="0" lang="en-US" altLang="en-US" sz="1000" b="0" i="0" u="none" strike="noStrike" cap="none" normalizeH="0" baseline="0" dirty="0">
                 <a:ln>
                   <a:noFill/>
                 </a:ln>
@@ -4159,12 +4184,13 @@
                   <a:schemeClr val="tx1"/>
                 </a:solidFill>
                 <a:effectLst/>
-                <a:latin typeface="Arial" panose="020B0604020202020204" pitchFamily="34" charset="0"/>
+                <a:latin typeface="Times New Roman" panose="02020603050405020304" pitchFamily="18" charset="0"/>
                 <a:ea typeface="Times New Roman" panose="02020603050405020304" pitchFamily="18" charset="0"/>
+                <a:cs typeface="Times New Roman" panose="02020603050405020304" pitchFamily="18" charset="0"/>
               </a:rPr>
               <a:t>Get User Authentication [ITI-2]</a:t>
             </a:r>
-            <a:endParaRPr kumimoji="0" lang="en-US" altLang="en-US" sz="1800" b="0" i="0" u="none" strike="noStrike" cap="none" normalizeH="0" baseline="0">
+            <a:endParaRPr kumimoji="0" lang="en-US" altLang="en-US" sz="1800" b="0" i="0" u="none" strike="noStrike" cap="none" normalizeH="0" baseline="0" dirty="0">
               <a:ln>
                 <a:noFill/>
               </a:ln>
@@ -4172,7 +4198,8 @@
                 <a:schemeClr val="tx1"/>
               </a:solidFill>
               <a:effectLst/>
-              <a:latin typeface="Arial" panose="020B0604020202020204" pitchFamily="34" charset="0"/>
+              <a:latin typeface="Times New Roman" panose="02020603050405020304" pitchFamily="18" charset="0"/>
+              <a:cs typeface="Times New Roman" panose="02020603050405020304" pitchFamily="18" charset="0"/>
             </a:endParaRPr>
           </a:p>
         </p:txBody>
@@ -4224,7 +4251,10 @@
           </a:bodyPr>
           <a:lstStyle/>
           <a:p>
-            <a:endParaRPr lang="en-US"/>
+            <a:endParaRPr lang="en-US">
+              <a:latin typeface="Times New Roman" panose="02020603050405020304" pitchFamily="18" charset="0"/>
+              <a:cs typeface="Times New Roman" panose="02020603050405020304" pitchFamily="18" charset="0"/>
+            </a:endParaRPr>
           </a:p>
         </p:txBody>
       </p:sp>
@@ -4290,7 +4320,7 @@
         </p:nvSpPr>
         <p:spPr bwMode="auto">
           <a:xfrm>
-            <a:off x="1349375" y="2311400"/>
+            <a:off x="1468643" y="2271644"/>
             <a:ext cx="1381125" cy="209550"/>
           </a:xfrm>
           <a:prstGeom prst="rect">
@@ -4345,7 +4375,7 @@
               <a:tabLst/>
             </a:pPr>
             <a:r>
-              <a:rPr kumimoji="0" lang="en-US" altLang="en-US" sz="1000" b="0" i="0" u="none" strike="noStrike" cap="none" normalizeH="0" baseline="0">
+              <a:rPr kumimoji="0" lang="en-US" altLang="en-US" sz="1000" b="0" i="0" u="none" strike="noStrike" cap="none" normalizeH="0" baseline="0" dirty="0">
                 <a:ln>
                   <a:noFill/>
                 </a:ln>
@@ -4353,12 +4383,13 @@
                   <a:schemeClr val="tx1"/>
                 </a:solidFill>
                 <a:effectLst/>
-                <a:latin typeface="Arial" panose="020B0604020202020204" pitchFamily="34" charset="0"/>
+                <a:latin typeface="Times New Roman" panose="02020603050405020304" pitchFamily="18" charset="0"/>
                 <a:ea typeface="Times New Roman" panose="02020603050405020304" pitchFamily="18" charset="0"/>
+                <a:cs typeface="Times New Roman" panose="02020603050405020304" pitchFamily="18" charset="0"/>
               </a:rPr>
               <a:t>Get Service Ticket [ITI-3]</a:t>
             </a:r>
-            <a:endParaRPr kumimoji="0" lang="en-US" altLang="en-US" sz="1800" b="0" i="0" u="none" strike="noStrike" cap="none" normalizeH="0" baseline="0">
+            <a:endParaRPr kumimoji="0" lang="en-US" altLang="en-US" sz="1800" b="0" i="0" u="none" strike="noStrike" cap="none" normalizeH="0" baseline="0" dirty="0">
               <a:ln>
                 <a:noFill/>
               </a:ln>
@@ -4366,7 +4397,8 @@
                 <a:schemeClr val="tx1"/>
               </a:solidFill>
               <a:effectLst/>
-              <a:latin typeface="Arial" panose="020B0604020202020204" pitchFamily="34" charset="0"/>
+              <a:latin typeface="Times New Roman" panose="02020603050405020304" pitchFamily="18" charset="0"/>
+              <a:cs typeface="Times New Roman" panose="02020603050405020304" pitchFamily="18" charset="0"/>
             </a:endParaRPr>
           </a:p>
         </p:txBody>
@@ -4387,8 +4419,8 @@
         </p:nvSpPr>
         <p:spPr bwMode="auto">
           <a:xfrm>
-            <a:off x="38100" y="2549525"/>
-            <a:ext cx="989013" cy="304800"/>
+            <a:off x="-22345" y="2496516"/>
+            <a:ext cx="744659" cy="711189"/>
           </a:xfrm>
           <a:prstGeom prst="rect">
             <a:avLst/>
@@ -4420,7 +4452,7 @@
           </a:bodyPr>
           <a:lstStyle/>
           <a:p>
-            <a:pPr marL="0" marR="0" lvl="0" indent="0" algn="l" defTabSz="914400" rtl="0" eaLnBrk="0" fontAlgn="base" latinLnBrk="0" hangingPunct="0">
+            <a:pPr marL="0" marR="0" lvl="0" indent="0" algn="r" defTabSz="914400" rtl="0" eaLnBrk="0" fontAlgn="base" latinLnBrk="0" hangingPunct="0">
               <a:lnSpc>
                 <a:spcPct val="100000"/>
               </a:lnSpc>
@@ -4437,7 +4469,7 @@
               <a:tabLst/>
             </a:pPr>
             <a:r>
-              <a:rPr kumimoji="0" lang="en-US" altLang="en-US" sz="1000" b="0" i="1" u="none" strike="noStrike" cap="none" normalizeH="0" baseline="0">
+              <a:rPr kumimoji="0" lang="en-US" altLang="en-US" sz="1000" b="0" i="1" u="none" strike="noStrike" cap="none" normalizeH="0" baseline="0" dirty="0">
                 <a:ln>
                   <a:noFill/>
                 </a:ln>
@@ -4445,12 +4477,46 @@
                   <a:schemeClr val="tx1"/>
                 </a:solidFill>
                 <a:effectLst/>
-                <a:latin typeface="Arial" panose="020B0604020202020204" pitchFamily="34" charset="0"/>
+                <a:latin typeface="Times New Roman" panose="02020603050405020304" pitchFamily="18" charset="0"/>
                 <a:ea typeface="Times New Roman" panose="02020603050405020304" pitchFamily="18" charset="0"/>
+                <a:cs typeface="Times New Roman" panose="02020603050405020304" pitchFamily="18" charset="0"/>
               </a:rPr>
-              <a:t>Internal Ticket Management</a:t>
-            </a:r>
-            <a:endParaRPr kumimoji="0" lang="en-US" altLang="en-US" sz="1800" b="0" i="0" u="none" strike="noStrike" cap="none" normalizeH="0" baseline="0">
+              <a:t>Internal </a:t>
+            </a:r>
+          </a:p>
+          <a:p>
+            <a:pPr marL="0" marR="0" lvl="0" indent="0" algn="r" defTabSz="914400" rtl="0" eaLnBrk="0" fontAlgn="base" latinLnBrk="0" hangingPunct="0">
+              <a:lnSpc>
+                <a:spcPct val="100000"/>
+              </a:lnSpc>
+              <a:spcBef>
+                <a:spcPct val="0"/>
+              </a:spcBef>
+              <a:spcAft>
+                <a:spcPct val="0"/>
+              </a:spcAft>
+              <a:buClrTx/>
+              <a:buSzTx/>
+              <a:buFontTx/>
+              <a:buNone/>
+              <a:tabLst/>
+            </a:pPr>
+            <a:r>
+              <a:rPr kumimoji="0" lang="en-US" altLang="en-US" sz="1000" b="0" i="1" u="none" strike="noStrike" cap="none" normalizeH="0" baseline="0" dirty="0">
+                <a:ln>
+                  <a:noFill/>
+                </a:ln>
+                <a:solidFill>
+                  <a:schemeClr val="tx1"/>
+                </a:solidFill>
+                <a:effectLst/>
+                <a:latin typeface="Times New Roman" panose="02020603050405020304" pitchFamily="18" charset="0"/>
+                <a:ea typeface="Times New Roman" panose="02020603050405020304" pitchFamily="18" charset="0"/>
+                <a:cs typeface="Times New Roman" panose="02020603050405020304" pitchFamily="18" charset="0"/>
+              </a:rPr>
+              <a:t>Ticket Management</a:t>
+            </a:r>
+            <a:endParaRPr kumimoji="0" lang="en-US" altLang="en-US" sz="1800" b="0" i="0" u="none" strike="noStrike" cap="none" normalizeH="0" baseline="0" dirty="0">
               <a:ln>
                 <a:noFill/>
               </a:ln>
@@ -4458,7 +4524,8 @@
                 <a:schemeClr val="tx1"/>
               </a:solidFill>
               <a:effectLst/>
-              <a:latin typeface="Arial" panose="020B0604020202020204" pitchFamily="34" charset="0"/>
+              <a:latin typeface="Times New Roman" panose="02020603050405020304" pitchFamily="18" charset="0"/>
+              <a:cs typeface="Times New Roman" panose="02020603050405020304" pitchFamily="18" charset="0"/>
             </a:endParaRPr>
           </a:p>
         </p:txBody>
@@ -4479,7 +4546,7 @@
         </p:nvSpPr>
         <p:spPr bwMode="auto">
           <a:xfrm>
-            <a:off x="66675" y="1489075"/>
+            <a:off x="40171" y="1502327"/>
             <a:ext cx="989013" cy="304800"/>
           </a:xfrm>
           <a:prstGeom prst="rect">
@@ -4529,7 +4596,7 @@
               <a:tabLst/>
             </a:pPr>
             <a:r>
-              <a:rPr kumimoji="0" lang="en-US" altLang="en-US" sz="1000" b="0" i="1" u="none" strike="noStrike" cap="none" normalizeH="0" baseline="0">
+              <a:rPr kumimoji="0" lang="en-US" altLang="en-US" sz="1000" b="0" i="1" u="none" strike="noStrike" cap="none" normalizeH="0" baseline="0" dirty="0">
                 <a:ln>
                   <a:noFill/>
                 </a:ln>
@@ -4537,12 +4604,13 @@
                   <a:schemeClr val="tx1"/>
                 </a:solidFill>
                 <a:effectLst/>
-                <a:latin typeface="Arial" panose="020B0604020202020204" pitchFamily="34" charset="0"/>
+                <a:latin typeface="Times New Roman" panose="02020603050405020304" pitchFamily="18" charset="0"/>
                 <a:ea typeface="Times New Roman" panose="02020603050405020304" pitchFamily="18" charset="0"/>
+                <a:cs typeface="Times New Roman" panose="02020603050405020304" pitchFamily="18" charset="0"/>
               </a:rPr>
               <a:t>Internal TGT Management</a:t>
             </a:r>
-            <a:endParaRPr kumimoji="0" lang="en-US" altLang="en-US" sz="1800" b="0" i="0" u="none" strike="noStrike" cap="none" normalizeH="0" baseline="0">
+            <a:endParaRPr kumimoji="0" lang="en-US" altLang="en-US" sz="1800" b="0" i="0" u="none" strike="noStrike" cap="none" normalizeH="0" baseline="0" dirty="0">
               <a:ln>
                 <a:noFill/>
               </a:ln>
@@ -4550,7 +4618,8 @@
                 <a:schemeClr val="tx1"/>
               </a:solidFill>
               <a:effectLst/>
-              <a:latin typeface="Arial" panose="020B0604020202020204" pitchFamily="34" charset="0"/>
+              <a:latin typeface="Times New Roman" panose="02020603050405020304" pitchFamily="18" charset="0"/>
+              <a:cs typeface="Times New Roman" panose="02020603050405020304" pitchFamily="18" charset="0"/>
             </a:endParaRPr>
           </a:p>
         </p:txBody>
@@ -4673,7 +4742,7 @@
               <a:tabLst/>
             </a:pPr>
             <a:r>
-              <a:rPr kumimoji="0" lang="en-US" altLang="en-US" sz="1000" b="0" i="1" u="none" strike="noStrike" cap="none" normalizeH="0" baseline="0">
+              <a:rPr kumimoji="0" lang="en-US" altLang="en-US" sz="1000" b="0" i="1" u="none" strike="noStrike" cap="none" normalizeH="0" baseline="0" dirty="0">
                 <a:ln>
                   <a:noFill/>
                 </a:ln>
@@ -4681,12 +4750,13 @@
                   <a:schemeClr val="tx1"/>
                 </a:solidFill>
                 <a:effectLst/>
-                <a:latin typeface="Arial" panose="020B0604020202020204" pitchFamily="34" charset="0"/>
+                <a:latin typeface="Times New Roman" panose="02020603050405020304" pitchFamily="18" charset="0"/>
                 <a:ea typeface="Times New Roman" panose="02020603050405020304" pitchFamily="18" charset="0"/>
+                <a:cs typeface="Times New Roman" panose="02020603050405020304" pitchFamily="18" charset="0"/>
               </a:rPr>
               <a:t>Login or Session Start</a:t>
             </a:r>
-            <a:endParaRPr kumimoji="0" lang="en-US" altLang="en-US" sz="1800" b="0" i="0" u="none" strike="noStrike" cap="none" normalizeH="0" baseline="0">
+            <a:endParaRPr kumimoji="0" lang="en-US" altLang="en-US" sz="1800" b="0" i="0" u="none" strike="noStrike" cap="none" normalizeH="0" baseline="0" dirty="0">
               <a:ln>
                 <a:noFill/>
               </a:ln>
@@ -4694,7 +4764,8 @@
                 <a:schemeClr val="tx1"/>
               </a:solidFill>
               <a:effectLst/>
-              <a:latin typeface="Arial" panose="020B0604020202020204" pitchFamily="34" charset="0"/>
+              <a:latin typeface="Times New Roman" panose="02020603050405020304" pitchFamily="18" charset="0"/>
+              <a:cs typeface="Times New Roman" panose="02020603050405020304" pitchFamily="18" charset="0"/>
             </a:endParaRPr>
           </a:p>
         </p:txBody>
@@ -4905,7 +4976,7 @@
         </p:nvSpPr>
         <p:spPr bwMode="auto">
           <a:xfrm>
-            <a:off x="3540125" y="1431925"/>
+            <a:off x="3712401" y="1471681"/>
             <a:ext cx="752475" cy="542925"/>
           </a:xfrm>
           <a:prstGeom prst="rect">
@@ -4963,8 +5034,9 @@
                   <a:schemeClr val="tx1"/>
                 </a:solidFill>
                 <a:effectLst/>
-                <a:latin typeface="Arial" panose="020B0604020202020204" pitchFamily="34" charset="0"/>
+                <a:latin typeface="Times New Roman" panose="02020603050405020304" pitchFamily="18" charset="0"/>
                 <a:ea typeface="Times New Roman" panose="02020603050405020304" pitchFamily="18" charset="0"/>
+                <a:cs typeface="Times New Roman" panose="02020603050405020304" pitchFamily="18" charset="0"/>
               </a:rPr>
               <a:t>Internal user</a:t>
             </a:r>
@@ -4976,7 +5048,8 @@
                 <a:schemeClr val="tx1"/>
               </a:solidFill>
               <a:effectLst/>
-              <a:latin typeface="Arial" panose="020B0604020202020204" pitchFamily="34" charset="0"/>
+              <a:latin typeface="Times New Roman" panose="02020603050405020304" pitchFamily="18" charset="0"/>
+              <a:cs typeface="Times New Roman" panose="02020603050405020304" pitchFamily="18" charset="0"/>
             </a:endParaRPr>
           </a:p>
           <a:p>
@@ -5005,8 +5078,9 @@
                   <a:schemeClr val="tx1"/>
                 </a:solidFill>
                 <a:effectLst/>
-                <a:latin typeface="Arial" panose="020B0604020202020204" pitchFamily="34" charset="0"/>
+                <a:latin typeface="Times New Roman" panose="02020603050405020304" pitchFamily="18" charset="0"/>
                 <a:ea typeface="Times New Roman" panose="02020603050405020304" pitchFamily="18" charset="0"/>
+                <a:cs typeface="Times New Roman" panose="02020603050405020304" pitchFamily="18" charset="0"/>
               </a:rPr>
               <a:t>authentication </a:t>
             </a:r>
@@ -5018,7 +5092,8 @@
                 <a:schemeClr val="tx1"/>
               </a:solidFill>
               <a:effectLst/>
-              <a:latin typeface="Arial" panose="020B0604020202020204" pitchFamily="34" charset="0"/>
+              <a:latin typeface="Times New Roman" panose="02020603050405020304" pitchFamily="18" charset="0"/>
+              <a:cs typeface="Times New Roman" panose="02020603050405020304" pitchFamily="18" charset="0"/>
             </a:endParaRPr>
           </a:p>
         </p:txBody>
@@ -5039,7 +5114,7 @@
         </p:nvSpPr>
         <p:spPr bwMode="auto">
           <a:xfrm>
-            <a:off x="3521075" y="2430463"/>
+            <a:off x="3706603" y="2456967"/>
             <a:ext cx="752475" cy="542925"/>
           </a:xfrm>
           <a:prstGeom prst="rect">
@@ -5089,7 +5164,7 @@
               <a:tabLst/>
             </a:pPr>
             <a:r>
-              <a:rPr kumimoji="0" lang="en-US" altLang="en-US" sz="1000" b="0" i="1" u="none" strike="noStrike" cap="none" normalizeH="0" baseline="0">
+              <a:rPr kumimoji="0" lang="en-US" altLang="en-US" sz="1000" b="0" i="1" u="none" strike="noStrike" cap="none" normalizeH="0" baseline="0" dirty="0">
                 <a:ln>
                   <a:noFill/>
                 </a:ln>
@@ -5097,12 +5172,13 @@
                   <a:schemeClr val="tx1"/>
                 </a:solidFill>
                 <a:effectLst/>
-                <a:latin typeface="Arial" panose="020B0604020202020204" pitchFamily="34" charset="0"/>
+                <a:latin typeface="Times New Roman" panose="02020603050405020304" pitchFamily="18" charset="0"/>
                 <a:ea typeface="Times New Roman" panose="02020603050405020304" pitchFamily="18" charset="0"/>
+                <a:cs typeface="Times New Roman" panose="02020603050405020304" pitchFamily="18" charset="0"/>
               </a:rPr>
               <a:t>Internal validate TGT</a:t>
             </a:r>
-            <a:endParaRPr kumimoji="0" lang="en-US" altLang="en-US" sz="1800" b="0" i="0" u="none" strike="noStrike" cap="none" normalizeH="0" baseline="0">
+            <a:endParaRPr kumimoji="0" lang="en-US" altLang="en-US" sz="1800" b="0" i="0" u="none" strike="noStrike" cap="none" normalizeH="0" baseline="0" dirty="0">
               <a:ln>
                 <a:noFill/>
               </a:ln>
@@ -5110,7 +5186,8 @@
                 <a:schemeClr val="tx1"/>
               </a:solidFill>
               <a:effectLst/>
-              <a:latin typeface="Arial" panose="020B0604020202020204" pitchFamily="34" charset="0"/>
+              <a:latin typeface="Times New Roman" panose="02020603050405020304" pitchFamily="18" charset="0"/>
+              <a:cs typeface="Times New Roman" panose="02020603050405020304" pitchFamily="18" charset="0"/>
             </a:endParaRPr>
           </a:p>
         </p:txBody>
@@ -5379,8 +5456,9 @@
                   <a:schemeClr val="tx1"/>
                 </a:solidFill>
                 <a:effectLst/>
-                <a:latin typeface="Arial" panose="020B0604020202020204" pitchFamily="34" charset="0"/>
+                <a:latin typeface="Times New Roman" panose="02020603050405020304" pitchFamily="18" charset="0"/>
                 <a:ea typeface="Times New Roman" panose="02020603050405020304" pitchFamily="18" charset="0"/>
+                <a:cs typeface="Times New Roman" panose="02020603050405020304" pitchFamily="18" charset="0"/>
               </a:rPr>
               <a:t>Other IHE Transaction</a:t>
             </a:r>
@@ -5392,7 +5470,8 @@
                 <a:schemeClr val="tx1"/>
               </a:solidFill>
               <a:effectLst/>
-              <a:latin typeface="Arial" panose="020B0604020202020204" pitchFamily="34" charset="0"/>
+              <a:latin typeface="Times New Roman" panose="02020603050405020304" pitchFamily="18" charset="0"/>
+              <a:cs typeface="Times New Roman" panose="02020603050405020304" pitchFamily="18" charset="0"/>
             </a:endParaRPr>
           </a:p>
         </p:txBody>
@@ -5445,76 +5524,10 @@
           </a:bodyPr>
           <a:lstStyle/>
           <a:p>
-            <a:endParaRPr lang="en-US"/>
-          </a:p>
-        </p:txBody>
-      </p:sp>
-      <p:sp>
-        <p:nvSpPr>
-          <p:cNvPr id="34" name="Rectangle 43">
-            <a:extLst>
-              <a:ext uri="{FF2B5EF4-FFF2-40B4-BE49-F238E27FC236}">
-                <a16:creationId xmlns:a16="http://schemas.microsoft.com/office/drawing/2014/main" id="{5B5B6394-7FF6-2844-B4EE-C3EAFD3987D6}"/>
-              </a:ext>
-            </a:extLst>
-          </p:cNvPr>
-          <p:cNvSpPr>
-            <a:spLocks noChangeArrowheads="1"/>
-          </p:cNvSpPr>
-          <p:nvPr/>
-        </p:nvSpPr>
-        <p:spPr bwMode="auto">
-          <a:xfrm>
-            <a:off x="0" y="0"/>
-            <a:ext cx="12192000" cy="457200"/>
-          </a:xfrm>
-          <a:prstGeom prst="rect">
-            <a:avLst/>
-          </a:prstGeom>
-          <a:noFill/>
-          <a:ln>
-            <a:noFill/>
-          </a:ln>
-          <a:effectLst/>
-          <a:extLst>
-            <a:ext uri="{909E8E84-426E-40DD-AFC4-6F175D3DCCD1}">
-              <a14:hiddenFill xmlns:a14="http://schemas.microsoft.com/office/drawing/2010/main">
-                <a:solidFill>
-                  <a:schemeClr val="accent1"/>
-                </a:solidFill>
-              </a14:hiddenFill>
-            </a:ext>
-            <a:ext uri="{91240B29-F687-4F45-9708-019B960494DF}">
-              <a14:hiddenLine xmlns:a14="http://schemas.microsoft.com/office/drawing/2010/main" w="9525">
-                <a:solidFill>
-                  <a:schemeClr val="tx1"/>
-                </a:solidFill>
-                <a:miter lim="800000"/>
-                <a:headEnd/>
-                <a:tailEnd/>
-              </a14:hiddenLine>
-            </a:ext>
-            <a:ext uri="{AF507438-7753-43E0-B8FC-AC1667EBCBE1}">
-              <a14:hiddenEffects xmlns:a14="http://schemas.microsoft.com/office/drawing/2010/main">
-                <a:effectLst>
-                  <a:outerShdw dist="35921" dir="2700000" algn="ctr" rotWithShape="0">
-                    <a:schemeClr val="bg2"/>
-                  </a:outerShdw>
-                </a:effectLst>
-              </a14:hiddenEffects>
-            </a:ext>
-          </a:extLst>
-        </p:spPr>
-        <p:txBody>
-          <a:bodyPr vert="horz" wrap="none" lIns="91440" tIns="45720" rIns="91440" bIns="45720" numCol="1" anchor="ctr" anchorCtr="0" compatLnSpc="1">
-            <a:prstTxWarp prst="textNoShape">
-              <a:avLst/>
-            </a:prstTxWarp>
-            <a:spAutoFit/>
-          </a:bodyPr>
-          <a:lstStyle/>
-          <a:p>
-            <a:endParaRPr lang="en-US"/>
+            <a:endParaRPr lang="en-US">
+              <a:latin typeface="Times New Roman" panose="02020603050405020304" pitchFamily="18" charset="0"/>
+              <a:cs typeface="Times New Roman" panose="02020603050405020304" pitchFamily="18" charset="0"/>
+            </a:endParaRPr>
           </a:p>
         </p:txBody>
       </p:sp>
@@ -6130,6 +6143,596 @@
           </a:p>
         </p:txBody>
       </p:sp>
+      <p:sp>
+        <p:nvSpPr>
+          <p:cNvPr id="47" name="Line 23">
+            <a:extLst>
+              <a:ext uri="{FF2B5EF4-FFF2-40B4-BE49-F238E27FC236}">
+                <a16:creationId xmlns:a16="http://schemas.microsoft.com/office/drawing/2014/main" id="{A4343D09-57BE-E847-9BFF-058A9C2C5268}"/>
+              </a:ext>
+            </a:extLst>
+          </p:cNvPr>
+          <p:cNvSpPr>
+            <a:spLocks noChangeShapeType="1"/>
+          </p:cNvSpPr>
+          <p:nvPr/>
+        </p:nvSpPr>
+        <p:spPr bwMode="auto">
+          <a:xfrm flipH="1">
+            <a:off x="3336095" y="1724822"/>
+            <a:ext cx="296418" cy="0"/>
+          </a:xfrm>
+          <a:prstGeom prst="line">
+            <a:avLst/>
+          </a:prstGeom>
+          <a:noFill/>
+          <a:ln w="9525">
+            <a:solidFill>
+              <a:srgbClr val="000000"/>
+            </a:solidFill>
+            <a:round/>
+            <a:headEnd/>
+            <a:tailEnd type="triangle" w="med" len="med"/>
+          </a:ln>
+          <a:extLst>
+            <a:ext uri="{909E8E84-426E-40DD-AFC4-6F175D3DCCD1}">
+              <a14:hiddenFill xmlns:a14="http://schemas.microsoft.com/office/drawing/2010/main">
+                <a:noFill/>
+              </a14:hiddenFill>
+            </a:ext>
+          </a:extLst>
+        </p:spPr>
+        <p:txBody>
+          <a:bodyPr vert="horz" wrap="square" lIns="91440" tIns="45720" rIns="91440" bIns="45720" numCol="1" anchor="t" anchorCtr="0" compatLnSpc="1">
+            <a:prstTxWarp prst="textNoShape">
+              <a:avLst/>
+            </a:prstTxWarp>
+          </a:bodyPr>
+          <a:lstStyle/>
+          <a:p>
+            <a:endParaRPr lang="en-US"/>
+          </a:p>
+        </p:txBody>
+      </p:sp>
+      <p:cxnSp>
+        <p:nvCxnSpPr>
+          <p:cNvPr id="48" name="Straight Connector 47">
+            <a:extLst>
+              <a:ext uri="{FF2B5EF4-FFF2-40B4-BE49-F238E27FC236}">
+                <a16:creationId xmlns:a16="http://schemas.microsoft.com/office/drawing/2014/main" id="{D7F1017B-A777-714D-AFB2-6B332C1E8783}"/>
+              </a:ext>
+            </a:extLst>
+          </p:cNvPr>
+          <p:cNvCxnSpPr>
+            <a:cxnSpLocks/>
+          </p:cNvCxnSpPr>
+          <p:nvPr/>
+        </p:nvCxnSpPr>
+        <p:spPr>
+          <a:xfrm>
+            <a:off x="3642904" y="1482365"/>
+            <a:ext cx="0" cy="242457"/>
+          </a:xfrm>
+          <a:prstGeom prst="line">
+            <a:avLst/>
+          </a:prstGeom>
+          <a:ln w="12700">
+            <a:solidFill>
+              <a:schemeClr val="tx1"/>
+            </a:solidFill>
+          </a:ln>
+        </p:spPr>
+        <p:style>
+          <a:lnRef idx="1">
+            <a:schemeClr val="accent1"/>
+          </a:lnRef>
+          <a:fillRef idx="0">
+            <a:schemeClr val="accent1"/>
+          </a:fillRef>
+          <a:effectRef idx="0">
+            <a:schemeClr val="accent1"/>
+          </a:effectRef>
+          <a:fontRef idx="minor">
+            <a:schemeClr val="tx1"/>
+          </a:fontRef>
+        </p:style>
+      </p:cxnSp>
+      <p:cxnSp>
+        <p:nvCxnSpPr>
+          <p:cNvPr id="49" name="Straight Connector 48">
+            <a:extLst>
+              <a:ext uri="{FF2B5EF4-FFF2-40B4-BE49-F238E27FC236}">
+                <a16:creationId xmlns:a16="http://schemas.microsoft.com/office/drawing/2014/main" id="{8BFA4F97-EEC9-B74D-93F3-15FD6C2CE615}"/>
+              </a:ext>
+            </a:extLst>
+          </p:cNvPr>
+          <p:cNvCxnSpPr>
+            <a:cxnSpLocks/>
+          </p:cNvCxnSpPr>
+          <p:nvPr/>
+        </p:nvCxnSpPr>
+        <p:spPr>
+          <a:xfrm flipH="1">
+            <a:off x="3318778" y="1482366"/>
+            <a:ext cx="324127" cy="0"/>
+          </a:xfrm>
+          <a:prstGeom prst="line">
+            <a:avLst/>
+          </a:prstGeom>
+          <a:ln w="12700">
+            <a:solidFill>
+              <a:schemeClr val="tx1"/>
+            </a:solidFill>
+          </a:ln>
+        </p:spPr>
+        <p:style>
+          <a:lnRef idx="1">
+            <a:schemeClr val="accent1"/>
+          </a:lnRef>
+          <a:fillRef idx="0">
+            <a:schemeClr val="accent1"/>
+          </a:fillRef>
+          <a:effectRef idx="0">
+            <a:schemeClr val="accent1"/>
+          </a:effectRef>
+          <a:fontRef idx="minor">
+            <a:schemeClr val="tx1"/>
+          </a:fontRef>
+        </p:style>
+      </p:cxnSp>
+      <p:sp>
+        <p:nvSpPr>
+          <p:cNvPr id="50" name="Line 23">
+            <a:extLst>
+              <a:ext uri="{FF2B5EF4-FFF2-40B4-BE49-F238E27FC236}">
+                <a16:creationId xmlns:a16="http://schemas.microsoft.com/office/drawing/2014/main" id="{4C054DFE-AB63-CA4C-A92C-B17FFEA66EC3}"/>
+              </a:ext>
+            </a:extLst>
+          </p:cNvPr>
+          <p:cNvSpPr>
+            <a:spLocks noChangeShapeType="1"/>
+          </p:cNvSpPr>
+          <p:nvPr/>
+        </p:nvSpPr>
+        <p:spPr bwMode="auto">
+          <a:xfrm flipH="1">
+            <a:off x="3329471" y="2725362"/>
+            <a:ext cx="296418" cy="0"/>
+          </a:xfrm>
+          <a:prstGeom prst="line">
+            <a:avLst/>
+          </a:prstGeom>
+          <a:noFill/>
+          <a:ln w="9525">
+            <a:solidFill>
+              <a:srgbClr val="000000"/>
+            </a:solidFill>
+            <a:round/>
+            <a:headEnd/>
+            <a:tailEnd type="triangle" w="med" len="med"/>
+          </a:ln>
+          <a:extLst>
+            <a:ext uri="{909E8E84-426E-40DD-AFC4-6F175D3DCCD1}">
+              <a14:hiddenFill xmlns:a14="http://schemas.microsoft.com/office/drawing/2010/main">
+                <a:noFill/>
+              </a14:hiddenFill>
+            </a:ext>
+          </a:extLst>
+        </p:spPr>
+        <p:txBody>
+          <a:bodyPr vert="horz" wrap="square" lIns="91440" tIns="45720" rIns="91440" bIns="45720" numCol="1" anchor="t" anchorCtr="0" compatLnSpc="1">
+            <a:prstTxWarp prst="textNoShape">
+              <a:avLst/>
+            </a:prstTxWarp>
+          </a:bodyPr>
+          <a:lstStyle/>
+          <a:p>
+            <a:endParaRPr lang="en-US"/>
+          </a:p>
+        </p:txBody>
+      </p:sp>
+      <p:cxnSp>
+        <p:nvCxnSpPr>
+          <p:cNvPr id="51" name="Straight Connector 50">
+            <a:extLst>
+              <a:ext uri="{FF2B5EF4-FFF2-40B4-BE49-F238E27FC236}">
+                <a16:creationId xmlns:a16="http://schemas.microsoft.com/office/drawing/2014/main" id="{CDFB5D5F-63E2-B544-93FB-D9EA2D78586A}"/>
+              </a:ext>
+            </a:extLst>
+          </p:cNvPr>
+          <p:cNvCxnSpPr>
+            <a:cxnSpLocks/>
+          </p:cNvCxnSpPr>
+          <p:nvPr/>
+        </p:nvCxnSpPr>
+        <p:spPr>
+          <a:xfrm>
+            <a:off x="3636280" y="2482905"/>
+            <a:ext cx="0" cy="242457"/>
+          </a:xfrm>
+          <a:prstGeom prst="line">
+            <a:avLst/>
+          </a:prstGeom>
+          <a:ln w="12700">
+            <a:solidFill>
+              <a:schemeClr val="tx1"/>
+            </a:solidFill>
+          </a:ln>
+        </p:spPr>
+        <p:style>
+          <a:lnRef idx="1">
+            <a:schemeClr val="accent1"/>
+          </a:lnRef>
+          <a:fillRef idx="0">
+            <a:schemeClr val="accent1"/>
+          </a:fillRef>
+          <a:effectRef idx="0">
+            <a:schemeClr val="accent1"/>
+          </a:effectRef>
+          <a:fontRef idx="minor">
+            <a:schemeClr val="tx1"/>
+          </a:fontRef>
+        </p:style>
+      </p:cxnSp>
+      <p:cxnSp>
+        <p:nvCxnSpPr>
+          <p:cNvPr id="52" name="Straight Connector 51">
+            <a:extLst>
+              <a:ext uri="{FF2B5EF4-FFF2-40B4-BE49-F238E27FC236}">
+                <a16:creationId xmlns:a16="http://schemas.microsoft.com/office/drawing/2014/main" id="{F0398E4E-E1A5-014A-88EF-044D71A7E6DD}"/>
+              </a:ext>
+            </a:extLst>
+          </p:cNvPr>
+          <p:cNvCxnSpPr>
+            <a:cxnSpLocks/>
+          </p:cNvCxnSpPr>
+          <p:nvPr/>
+        </p:nvCxnSpPr>
+        <p:spPr>
+          <a:xfrm flipH="1">
+            <a:off x="3312154" y="2482906"/>
+            <a:ext cx="324127" cy="0"/>
+          </a:xfrm>
+          <a:prstGeom prst="line">
+            <a:avLst/>
+          </a:prstGeom>
+          <a:ln w="12700">
+            <a:solidFill>
+              <a:schemeClr val="tx1"/>
+            </a:solidFill>
+          </a:ln>
+        </p:spPr>
+        <p:style>
+          <a:lnRef idx="1">
+            <a:schemeClr val="accent1"/>
+          </a:lnRef>
+          <a:fillRef idx="0">
+            <a:schemeClr val="accent1"/>
+          </a:fillRef>
+          <a:effectRef idx="0">
+            <a:schemeClr val="accent1"/>
+          </a:effectRef>
+          <a:fontRef idx="minor">
+            <a:schemeClr val="tx1"/>
+          </a:fontRef>
+        </p:style>
+      </p:cxnSp>
+      <p:grpSp>
+        <p:nvGrpSpPr>
+          <p:cNvPr id="53" name="Group 52">
+            <a:extLst>
+              <a:ext uri="{FF2B5EF4-FFF2-40B4-BE49-F238E27FC236}">
+                <a16:creationId xmlns:a16="http://schemas.microsoft.com/office/drawing/2014/main" id="{3E820D0C-5165-9745-AE8E-E6BAD2E1FDFB}"/>
+              </a:ext>
+            </a:extLst>
+          </p:cNvPr>
+          <p:cNvGrpSpPr/>
+          <p:nvPr/>
+        </p:nvGrpSpPr>
+        <p:grpSpPr>
+          <a:xfrm flipH="1">
+            <a:off x="772671" y="1518563"/>
+            <a:ext cx="324127" cy="242457"/>
+            <a:chOff x="3555709" y="3740033"/>
+            <a:chExt cx="324127" cy="242457"/>
+          </a:xfrm>
+        </p:grpSpPr>
+        <p:sp>
+          <p:nvSpPr>
+            <p:cNvPr id="54" name="Line 23">
+              <a:extLst>
+                <a:ext uri="{FF2B5EF4-FFF2-40B4-BE49-F238E27FC236}">
+                  <a16:creationId xmlns:a16="http://schemas.microsoft.com/office/drawing/2014/main" id="{8A75EB23-8B4F-FB4E-A509-C624683BE8F5}"/>
+                </a:ext>
+              </a:extLst>
+            </p:cNvPr>
+            <p:cNvSpPr>
+              <a:spLocks noChangeShapeType="1"/>
+            </p:cNvSpPr>
+            <p:nvPr/>
+          </p:nvSpPr>
+          <p:spPr bwMode="auto">
+            <a:xfrm flipH="1" flipV="1">
+              <a:off x="3573026" y="3982490"/>
+              <a:ext cx="296418" cy="0"/>
+            </a:xfrm>
+            <a:prstGeom prst="line">
+              <a:avLst/>
+            </a:prstGeom>
+            <a:noFill/>
+            <a:ln w="9525">
+              <a:solidFill>
+                <a:srgbClr val="000000"/>
+              </a:solidFill>
+              <a:round/>
+              <a:headEnd/>
+              <a:tailEnd type="triangle" w="med" len="med"/>
+            </a:ln>
+            <a:extLst>
+              <a:ext uri="{909E8E84-426E-40DD-AFC4-6F175D3DCCD1}">
+                <a14:hiddenFill xmlns:a14="http://schemas.microsoft.com/office/drawing/2010/main">
+                  <a:noFill/>
+                </a14:hiddenFill>
+              </a:ext>
+            </a:extLst>
+          </p:spPr>
+          <p:txBody>
+            <a:bodyPr vert="horz" wrap="square" lIns="91440" tIns="45720" rIns="91440" bIns="45720" numCol="1" anchor="t" anchorCtr="0" compatLnSpc="1">
+              <a:prstTxWarp prst="textNoShape">
+                <a:avLst/>
+              </a:prstTxWarp>
+            </a:bodyPr>
+            <a:lstStyle/>
+            <a:p>
+              <a:endParaRPr lang="en-US"/>
+            </a:p>
+          </p:txBody>
+        </p:sp>
+        <p:cxnSp>
+          <p:nvCxnSpPr>
+            <p:cNvPr id="55" name="Straight Connector 54">
+              <a:extLst>
+                <a:ext uri="{FF2B5EF4-FFF2-40B4-BE49-F238E27FC236}">
+                  <a16:creationId xmlns:a16="http://schemas.microsoft.com/office/drawing/2014/main" id="{8470B673-E81F-2E4E-B5E2-E9AA91BAB09A}"/>
+                </a:ext>
+              </a:extLst>
+            </p:cNvPr>
+            <p:cNvCxnSpPr>
+              <a:cxnSpLocks/>
+            </p:cNvCxnSpPr>
+            <p:nvPr/>
+          </p:nvCxnSpPr>
+          <p:spPr>
+            <a:xfrm flipV="1">
+              <a:off x="3879835" y="3740033"/>
+              <a:ext cx="0" cy="242457"/>
+            </a:xfrm>
+            <a:prstGeom prst="line">
+              <a:avLst/>
+            </a:prstGeom>
+            <a:ln w="12700">
+              <a:solidFill>
+                <a:schemeClr val="tx1"/>
+              </a:solidFill>
+            </a:ln>
+          </p:spPr>
+          <p:style>
+            <a:lnRef idx="1">
+              <a:schemeClr val="accent1"/>
+            </a:lnRef>
+            <a:fillRef idx="0">
+              <a:schemeClr val="accent1"/>
+            </a:fillRef>
+            <a:effectRef idx="0">
+              <a:schemeClr val="accent1"/>
+            </a:effectRef>
+            <a:fontRef idx="minor">
+              <a:schemeClr val="tx1"/>
+            </a:fontRef>
+          </p:style>
+        </p:cxnSp>
+        <p:cxnSp>
+          <p:nvCxnSpPr>
+            <p:cNvPr id="56" name="Straight Connector 55">
+              <a:extLst>
+                <a:ext uri="{FF2B5EF4-FFF2-40B4-BE49-F238E27FC236}">
+                  <a16:creationId xmlns:a16="http://schemas.microsoft.com/office/drawing/2014/main" id="{EA6D0EFA-F3FE-964F-8BF6-4C2676B50DF5}"/>
+                </a:ext>
+              </a:extLst>
+            </p:cNvPr>
+            <p:cNvCxnSpPr>
+              <a:cxnSpLocks/>
+            </p:cNvCxnSpPr>
+            <p:nvPr/>
+          </p:nvCxnSpPr>
+          <p:spPr>
+            <a:xfrm flipH="1" flipV="1">
+              <a:off x="3555709" y="3740034"/>
+              <a:ext cx="324127" cy="0"/>
+            </a:xfrm>
+            <a:prstGeom prst="line">
+              <a:avLst/>
+            </a:prstGeom>
+            <a:ln w="12700">
+              <a:solidFill>
+                <a:schemeClr val="tx1"/>
+              </a:solidFill>
+            </a:ln>
+          </p:spPr>
+          <p:style>
+            <a:lnRef idx="1">
+              <a:schemeClr val="accent1"/>
+            </a:lnRef>
+            <a:fillRef idx="0">
+              <a:schemeClr val="accent1"/>
+            </a:fillRef>
+            <a:effectRef idx="0">
+              <a:schemeClr val="accent1"/>
+            </a:effectRef>
+            <a:fontRef idx="minor">
+              <a:schemeClr val="tx1"/>
+            </a:fontRef>
+          </p:style>
+        </p:cxnSp>
+      </p:grpSp>
+      <p:grpSp>
+        <p:nvGrpSpPr>
+          <p:cNvPr id="57" name="Group 56">
+            <a:extLst>
+              <a:ext uri="{FF2B5EF4-FFF2-40B4-BE49-F238E27FC236}">
+                <a16:creationId xmlns:a16="http://schemas.microsoft.com/office/drawing/2014/main" id="{9E6B983F-0E4E-4A48-8864-21412AE07484}"/>
+              </a:ext>
+            </a:extLst>
+          </p:cNvPr>
+          <p:cNvGrpSpPr/>
+          <p:nvPr/>
+        </p:nvGrpSpPr>
+        <p:grpSpPr>
+          <a:xfrm flipH="1">
+            <a:off x="779299" y="2598616"/>
+            <a:ext cx="324127" cy="242457"/>
+            <a:chOff x="3555709" y="3740033"/>
+            <a:chExt cx="324127" cy="242457"/>
+          </a:xfrm>
+        </p:grpSpPr>
+        <p:sp>
+          <p:nvSpPr>
+            <p:cNvPr id="58" name="Line 23">
+              <a:extLst>
+                <a:ext uri="{FF2B5EF4-FFF2-40B4-BE49-F238E27FC236}">
+                  <a16:creationId xmlns:a16="http://schemas.microsoft.com/office/drawing/2014/main" id="{C0215F26-B397-1547-9DEE-DF88ED94161A}"/>
+                </a:ext>
+              </a:extLst>
+            </p:cNvPr>
+            <p:cNvSpPr>
+              <a:spLocks noChangeShapeType="1"/>
+            </p:cNvSpPr>
+            <p:nvPr/>
+          </p:nvSpPr>
+          <p:spPr bwMode="auto">
+            <a:xfrm flipH="1" flipV="1">
+              <a:off x="3573026" y="3982490"/>
+              <a:ext cx="296418" cy="0"/>
+            </a:xfrm>
+            <a:prstGeom prst="line">
+              <a:avLst/>
+            </a:prstGeom>
+            <a:noFill/>
+            <a:ln w="9525">
+              <a:solidFill>
+                <a:srgbClr val="000000"/>
+              </a:solidFill>
+              <a:round/>
+              <a:headEnd/>
+              <a:tailEnd type="triangle" w="med" len="med"/>
+            </a:ln>
+            <a:extLst>
+              <a:ext uri="{909E8E84-426E-40DD-AFC4-6F175D3DCCD1}">
+                <a14:hiddenFill xmlns:a14="http://schemas.microsoft.com/office/drawing/2010/main">
+                  <a:noFill/>
+                </a14:hiddenFill>
+              </a:ext>
+            </a:extLst>
+          </p:spPr>
+          <p:txBody>
+            <a:bodyPr vert="horz" wrap="square" lIns="91440" tIns="45720" rIns="91440" bIns="45720" numCol="1" anchor="t" anchorCtr="0" compatLnSpc="1">
+              <a:prstTxWarp prst="textNoShape">
+                <a:avLst/>
+              </a:prstTxWarp>
+            </a:bodyPr>
+            <a:lstStyle/>
+            <a:p>
+              <a:endParaRPr lang="en-US"/>
+            </a:p>
+          </p:txBody>
+        </p:sp>
+        <p:cxnSp>
+          <p:nvCxnSpPr>
+            <p:cNvPr id="59" name="Straight Connector 58">
+              <a:extLst>
+                <a:ext uri="{FF2B5EF4-FFF2-40B4-BE49-F238E27FC236}">
+                  <a16:creationId xmlns:a16="http://schemas.microsoft.com/office/drawing/2014/main" id="{87518091-9BD1-264C-AFC8-02F5B6039BEA}"/>
+                </a:ext>
+              </a:extLst>
+            </p:cNvPr>
+            <p:cNvCxnSpPr>
+              <a:cxnSpLocks/>
+            </p:cNvCxnSpPr>
+            <p:nvPr/>
+          </p:nvCxnSpPr>
+          <p:spPr>
+            <a:xfrm flipV="1">
+              <a:off x="3879835" y="3740033"/>
+              <a:ext cx="0" cy="242457"/>
+            </a:xfrm>
+            <a:prstGeom prst="line">
+              <a:avLst/>
+            </a:prstGeom>
+            <a:ln w="12700">
+              <a:solidFill>
+                <a:schemeClr val="tx1"/>
+              </a:solidFill>
+            </a:ln>
+          </p:spPr>
+          <p:style>
+            <a:lnRef idx="1">
+              <a:schemeClr val="accent1"/>
+            </a:lnRef>
+            <a:fillRef idx="0">
+              <a:schemeClr val="accent1"/>
+            </a:fillRef>
+            <a:effectRef idx="0">
+              <a:schemeClr val="accent1"/>
+            </a:effectRef>
+            <a:fontRef idx="minor">
+              <a:schemeClr val="tx1"/>
+            </a:fontRef>
+          </p:style>
+        </p:cxnSp>
+        <p:cxnSp>
+          <p:nvCxnSpPr>
+            <p:cNvPr id="60" name="Straight Connector 59">
+              <a:extLst>
+                <a:ext uri="{FF2B5EF4-FFF2-40B4-BE49-F238E27FC236}">
+                  <a16:creationId xmlns:a16="http://schemas.microsoft.com/office/drawing/2014/main" id="{979A34D4-FF3D-D541-8D75-76C850E97181}"/>
+                </a:ext>
+              </a:extLst>
+            </p:cNvPr>
+            <p:cNvCxnSpPr>
+              <a:cxnSpLocks/>
+            </p:cNvCxnSpPr>
+            <p:nvPr/>
+          </p:nvCxnSpPr>
+          <p:spPr>
+            <a:xfrm flipH="1" flipV="1">
+              <a:off x="3555709" y="3740034"/>
+              <a:ext cx="324127" cy="0"/>
+            </a:xfrm>
+            <a:prstGeom prst="line">
+              <a:avLst/>
+            </a:prstGeom>
+            <a:ln w="12700">
+              <a:solidFill>
+                <a:schemeClr val="tx1"/>
+              </a:solidFill>
+            </a:ln>
+          </p:spPr>
+          <p:style>
+            <a:lnRef idx="1">
+              <a:schemeClr val="accent1"/>
+            </a:lnRef>
+            <a:fillRef idx="0">
+              <a:schemeClr val="accent1"/>
+            </a:fillRef>
+            <a:effectRef idx="0">
+              <a:schemeClr val="accent1"/>
+            </a:effectRef>
+            <a:fontRef idx="minor">
+              <a:schemeClr val="tx1"/>
+            </a:fontRef>
+          </p:style>
+        </p:cxnSp>
+      </p:grpSp>
     </p:spTree>
     <p:extLst>
       <p:ext uri="{BB962C8B-B14F-4D97-AF65-F5344CB8AC3E}">
